--- a/Documentação/UserStories/UserStoriesAluno.pptx
+++ b/Documentação/UserStories/UserStoriesAluno.pptx
@@ -455,7 +455,7 @@
             <a:fld id="{B61BEF0D-F0BB-DE4B-95CE-6DB70DBA9567}" type="datetimeFigureOut">
               <a:rPr lang="en-US" dirty="0"/>
               <a:pPr/>
-              <a:t>4/11/2020</a:t>
+              <a:t>5/1/2020</a:t>
             </a:fld>
             <a:endParaRPr lang="en-US" dirty="0"/>
           </a:p>
@@ -508,7 +508,7 @@
             <a:fld id="{D57F1E4F-1CFF-5643-939E-217C01CDF565}" type="slidenum">
               <a:rPr lang="en-US" dirty="0"/>
               <a:pPr/>
-              <a:t>‹nº›</a:t>
+              <a:t>‹#›</a:t>
             </a:fld>
             <a:endParaRPr lang="en-US" dirty="0"/>
           </a:p>
@@ -776,7 +776,7 @@
             <a:fld id="{B61BEF0D-F0BB-DE4B-95CE-6DB70DBA9567}" type="datetimeFigureOut">
               <a:rPr lang="en-US" dirty="0"/>
               <a:pPr/>
-              <a:t>4/11/2020</a:t>
+              <a:t>5/1/2020</a:t>
             </a:fld>
             <a:endParaRPr lang="en-US" dirty="0"/>
           </a:p>
@@ -819,7 +819,7 @@
             <a:fld id="{D57F1E4F-1CFF-5643-939E-217C01CDF565}" type="slidenum">
               <a:rPr lang="en-US" dirty="0"/>
               <a:pPr/>
-              <a:t>‹nº›</a:t>
+              <a:t>‹#›</a:t>
             </a:fld>
             <a:endParaRPr lang="en-US" dirty="0"/>
           </a:p>
@@ -1021,7 +1021,7 @@
             <a:fld id="{B61BEF0D-F0BB-DE4B-95CE-6DB70DBA9567}" type="datetimeFigureOut">
               <a:rPr lang="en-US" dirty="0"/>
               <a:pPr/>
-              <a:t>4/11/2020</a:t>
+              <a:t>5/1/2020</a:t>
             </a:fld>
             <a:endParaRPr lang="en-US" dirty="0"/>
           </a:p>
@@ -1064,7 +1064,7 @@
             <a:fld id="{D57F1E4F-1CFF-5643-939E-217C01CDF565}" type="slidenum">
               <a:rPr lang="en-US" dirty="0"/>
               <a:pPr/>
-              <a:t>‹nº›</a:t>
+              <a:t>‹#›</a:t>
             </a:fld>
             <a:endParaRPr lang="en-US" dirty="0"/>
           </a:p>
@@ -1357,7 +1357,7 @@
             <a:fld id="{B61BEF0D-F0BB-DE4B-95CE-6DB70DBA9567}" type="datetimeFigureOut">
               <a:rPr lang="en-US" dirty="0"/>
               <a:pPr/>
-              <a:t>4/11/2020</a:t>
+              <a:t>5/1/2020</a:t>
             </a:fld>
             <a:endParaRPr lang="en-US" dirty="0"/>
           </a:p>
@@ -1400,7 +1400,7 @@
             <a:fld id="{D57F1E4F-1CFF-5643-939E-217C01CDF565}" type="slidenum">
               <a:rPr lang="en-US" dirty="0"/>
               <a:pPr/>
-              <a:t>‹nº›</a:t>
+              <a:t>‹#›</a:t>
             </a:fld>
             <a:endParaRPr lang="en-US" dirty="0"/>
           </a:p>
@@ -1701,7 +1701,7 @@
             <a:fld id="{B61BEF0D-F0BB-DE4B-95CE-6DB70DBA9567}" type="datetimeFigureOut">
               <a:rPr lang="en-US" dirty="0"/>
               <a:pPr/>
-              <a:t>4/11/2020</a:t>
+              <a:t>5/1/2020</a:t>
             </a:fld>
             <a:endParaRPr lang="en-US" dirty="0"/>
           </a:p>
@@ -1744,7 +1744,7 @@
             <a:fld id="{D57F1E4F-1CFF-5643-939E-217C01CDF565}" type="slidenum">
               <a:rPr lang="en-US" dirty="0"/>
               <a:pPr/>
-              <a:t>‹nº›</a:t>
+              <a:t>‹#›</a:t>
             </a:fld>
             <a:endParaRPr lang="en-US" dirty="0"/>
           </a:p>
@@ -2072,7 +2072,7 @@
             <a:fld id="{B61BEF0D-F0BB-DE4B-95CE-6DB70DBA9567}" type="datetimeFigureOut">
               <a:rPr lang="en-US" dirty="0"/>
               <a:pPr/>
-              <a:t>4/11/2020</a:t>
+              <a:t>5/1/2020</a:t>
             </a:fld>
             <a:endParaRPr lang="en-US" dirty="0"/>
           </a:p>
@@ -2115,7 +2115,7 @@
             <a:fld id="{D57F1E4F-1CFF-5643-939E-217C01CDF565}" type="slidenum">
               <a:rPr lang="en-US" dirty="0"/>
               <a:pPr/>
-              <a:t>‹nº›</a:t>
+              <a:t>‹#›</a:t>
             </a:fld>
             <a:endParaRPr lang="en-US" dirty="0"/>
           </a:p>
@@ -2539,7 +2539,7 @@
             <a:fld id="{B61BEF0D-F0BB-DE4B-95CE-6DB70DBA9567}" type="datetimeFigureOut">
               <a:rPr lang="en-US" dirty="0"/>
               <a:pPr/>
-              <a:t>4/11/2020</a:t>
+              <a:t>5/1/2020</a:t>
             </a:fld>
             <a:endParaRPr lang="en-US" dirty="0"/>
           </a:p>
@@ -2582,7 +2582,7 @@
             <a:fld id="{D57F1E4F-1CFF-5643-939E-217C01CDF565}" type="slidenum">
               <a:rPr lang="en-US" dirty="0"/>
               <a:pPr/>
-              <a:t>‹nº›</a:t>
+              <a:t>‹#›</a:t>
             </a:fld>
             <a:endParaRPr lang="en-US" dirty="0"/>
           </a:p>
@@ -2741,7 +2741,7 @@
             <a:fld id="{B61BEF0D-F0BB-DE4B-95CE-6DB70DBA9567}" type="datetimeFigureOut">
               <a:rPr lang="en-US" dirty="0"/>
               <a:pPr/>
-              <a:t>4/11/2020</a:t>
+              <a:t>5/1/2020</a:t>
             </a:fld>
             <a:endParaRPr lang="en-US" dirty="0"/>
           </a:p>
@@ -2784,7 +2784,7 @@
             <a:fld id="{D57F1E4F-1CFF-5643-939E-217C01CDF565}" type="slidenum">
               <a:rPr lang="en-US" dirty="0"/>
               <a:pPr/>
-              <a:t>‹nº›</a:t>
+              <a:t>‹#›</a:t>
             </a:fld>
             <a:endParaRPr lang="en-US" dirty="0"/>
           </a:p>
@@ -2949,7 +2949,7 @@
             <a:fld id="{B61BEF0D-F0BB-DE4B-95CE-6DB70DBA9567}" type="datetimeFigureOut">
               <a:rPr lang="en-US" dirty="0"/>
               <a:pPr/>
-              <a:t>4/11/2020</a:t>
+              <a:t>5/1/2020</a:t>
             </a:fld>
             <a:endParaRPr lang="en-US" dirty="0"/>
           </a:p>
@@ -2992,7 +2992,7 @@
             <a:fld id="{D57F1E4F-1CFF-5643-939E-217C01CDF565}" type="slidenum">
               <a:rPr lang="en-US" dirty="0"/>
               <a:pPr/>
-              <a:t>‹nº›</a:t>
+              <a:t>‹#›</a:t>
             </a:fld>
             <a:endParaRPr lang="en-US" dirty="0"/>
           </a:p>
@@ -3177,7 +3177,7 @@
           <a:p>
             <a:fld id="{05BFA754-D5C3-4E66-96A6-867B257F58DC}" type="datetimeFigureOut">
               <a:rPr lang="en-US" dirty="0"/>
-              <a:t>4/11/2020</a:t>
+              <a:t>5/1/2020</a:t>
             </a:fld>
             <a:endParaRPr lang="en-US" dirty="0"/>
           </a:p>
@@ -3219,7 +3219,7 @@
           <a:p>
             <a:fld id="{5D84065D-F351-4B03-BD91-D8A6B8D4B362}" type="slidenum">
               <a:rPr lang="en-US" dirty="0"/>
-              <a:t>‹nº›</a:t>
+              <a:t>‹#›</a:t>
             </a:fld>
             <a:endParaRPr lang="en-US" dirty="0"/>
           </a:p>
@@ -3421,7 +3421,7 @@
             <a:fld id="{B61BEF0D-F0BB-DE4B-95CE-6DB70DBA9567}" type="datetimeFigureOut">
               <a:rPr lang="en-US" dirty="0"/>
               <a:pPr/>
-              <a:t>4/11/2020</a:t>
+              <a:t>5/1/2020</a:t>
             </a:fld>
             <a:endParaRPr lang="en-US" dirty="0"/>
           </a:p>
@@ -3464,7 +3464,7 @@
             <a:fld id="{D57F1E4F-1CFF-5643-939E-217C01CDF565}" type="slidenum">
               <a:rPr lang="en-US" dirty="0"/>
               <a:pPr/>
-              <a:t>‹nº›</a:t>
+              <a:t>‹#›</a:t>
             </a:fld>
             <a:endParaRPr lang="en-US" dirty="0"/>
           </a:p>
@@ -3684,7 +3684,7 @@
           <a:p>
             <a:fld id="{05BFA754-D5C3-4E66-96A6-867B257F58DC}" type="datetimeFigureOut">
               <a:rPr lang="en-US" dirty="0"/>
-              <a:t>4/11/2020</a:t>
+              <a:t>5/1/2020</a:t>
             </a:fld>
             <a:endParaRPr lang="en-US" dirty="0"/>
           </a:p>
@@ -3726,7 +3726,7 @@
           <a:p>
             <a:fld id="{5D84065D-F351-4B03-BD91-D8A6B8D4B362}" type="slidenum">
               <a:rPr lang="en-US" dirty="0"/>
-              <a:t>‹nº›</a:t>
+              <a:t>‹#›</a:t>
             </a:fld>
             <a:endParaRPr lang="en-US" dirty="0"/>
           </a:p>
@@ -4093,7 +4093,7 @@
             <a:fld id="{B61BEF0D-F0BB-DE4B-95CE-6DB70DBA9567}" type="datetimeFigureOut">
               <a:rPr lang="en-US" dirty="0"/>
               <a:pPr/>
-              <a:t>4/11/2020</a:t>
+              <a:t>5/1/2020</a:t>
             </a:fld>
             <a:endParaRPr lang="en-US" dirty="0"/>
           </a:p>
@@ -4136,7 +4136,7 @@
             <a:fld id="{D57F1E4F-1CFF-5643-939E-217C01CDF565}" type="slidenum">
               <a:rPr lang="en-US" dirty="0"/>
               <a:pPr/>
-              <a:t>‹nº›</a:t>
+              <a:t>‹#›</a:t>
             </a:fld>
             <a:endParaRPr lang="en-US" dirty="0"/>
           </a:p>
@@ -4239,7 +4239,7 @@
             <a:fld id="{B61BEF0D-F0BB-DE4B-95CE-6DB70DBA9567}" type="datetimeFigureOut">
               <a:rPr lang="en-US" dirty="0"/>
               <a:pPr/>
-              <a:t>4/11/2020</a:t>
+              <a:t>5/1/2020</a:t>
             </a:fld>
             <a:endParaRPr lang="en-US" dirty="0"/>
           </a:p>
@@ -4282,7 +4282,7 @@
             <a:fld id="{D57F1E4F-1CFF-5643-939E-217C01CDF565}" type="slidenum">
               <a:rPr lang="en-US" dirty="0"/>
               <a:pPr/>
-              <a:t>‹nº›</a:t>
+              <a:t>‹#›</a:t>
             </a:fld>
             <a:endParaRPr lang="en-US" dirty="0"/>
           </a:p>
@@ -4362,7 +4362,7 @@
             <a:fld id="{B61BEF0D-F0BB-DE4B-95CE-6DB70DBA9567}" type="datetimeFigureOut">
               <a:rPr lang="en-US" dirty="0"/>
               <a:pPr/>
-              <a:t>4/11/2020</a:t>
+              <a:t>5/1/2020</a:t>
             </a:fld>
             <a:endParaRPr lang="en-US" dirty="0"/>
           </a:p>
@@ -4405,7 +4405,7 @@
             <a:fld id="{D57F1E4F-1CFF-5643-939E-217C01CDF565}" type="slidenum">
               <a:rPr lang="en-US" dirty="0"/>
               <a:pPr/>
-              <a:t>‹nº›</a:t>
+              <a:t>‹#›</a:t>
             </a:fld>
             <a:endParaRPr lang="en-US" dirty="0"/>
           </a:p>
@@ -4614,7 +4614,7 @@
             <a:fld id="{B61BEF0D-F0BB-DE4B-95CE-6DB70DBA9567}" type="datetimeFigureOut">
               <a:rPr lang="en-US" dirty="0"/>
               <a:pPr/>
-              <a:t>4/11/2020</a:t>
+              <a:t>5/1/2020</a:t>
             </a:fld>
             <a:endParaRPr lang="en-US" dirty="0"/>
           </a:p>
@@ -4657,7 +4657,7 @@
             <a:fld id="{D57F1E4F-1CFF-5643-939E-217C01CDF565}" type="slidenum">
               <a:rPr lang="en-US" dirty="0"/>
               <a:pPr/>
-              <a:t>‹nº›</a:t>
+              <a:t>‹#›</a:t>
             </a:fld>
             <a:endParaRPr lang="en-US" dirty="0"/>
           </a:p>
@@ -4926,7 +4926,7 @@
             <a:fld id="{B61BEF0D-F0BB-DE4B-95CE-6DB70DBA9567}" type="datetimeFigureOut">
               <a:rPr lang="en-US" dirty="0"/>
               <a:pPr/>
-              <a:t>4/11/2020</a:t>
+              <a:t>5/1/2020</a:t>
             </a:fld>
             <a:endParaRPr lang="en-US" dirty="0"/>
           </a:p>
@@ -4969,7 +4969,7 @@
             <a:fld id="{D57F1E4F-1CFF-5643-939E-217C01CDF565}" type="slidenum">
               <a:rPr lang="en-US" dirty="0"/>
               <a:pPr/>
-              <a:t>‹nº›</a:t>
+              <a:t>‹#›</a:t>
             </a:fld>
             <a:endParaRPr lang="en-US" dirty="0"/>
           </a:p>
@@ -5274,7 +5274,7 @@
             <a:fld id="{B61BEF0D-F0BB-DE4B-95CE-6DB70DBA9567}" type="datetimeFigureOut">
               <a:rPr lang="en-US" dirty="0"/>
               <a:pPr/>
-              <a:t>4/11/2020</a:t>
+              <a:t>5/1/2020</a:t>
             </a:fld>
             <a:endParaRPr lang="en-US" dirty="0"/>
           </a:p>
@@ -5353,7 +5353,7 @@
             <a:fld id="{D57F1E4F-1CFF-5643-939E-217C01CDF565}" type="slidenum">
               <a:rPr lang="en-US" dirty="0"/>
               <a:pPr/>
-              <a:t>‹nº›</a:t>
+              <a:t>‹#›</a:t>
             </a:fld>
             <a:endParaRPr lang="en-US" dirty="0"/>
           </a:p>
@@ -5854,40 +5854,16 @@
           <a:p>
             <a:pPr algn="ctr"/>
             <a:r>
-              <a:rPr lang="pt-BR" sz="2800" dirty="0">
+              <a:rPr lang="pt-BR" sz="2800">
                 <a:latin typeface="Arial" panose="020B0604020202020204" pitchFamily="34" charset="0"/>
                 <a:cs typeface="Arial" panose="020B0604020202020204" pitchFamily="34" charset="0"/>
               </a:rPr>
-              <a:t>Eu, como </a:t>
-            </a:r>
-            <a:r>
-              <a:rPr lang="pt-BR" sz="2800" b="1" dirty="0">
-                <a:latin typeface="Arial" panose="020B0604020202020204" pitchFamily="34" charset="0"/>
-                <a:cs typeface="Arial" panose="020B0604020202020204" pitchFamily="34" charset="0"/>
-              </a:rPr>
-              <a:t>Aluno,</a:t>
-            </a:r>
-            <a:r>
-              <a:rPr lang="pt-BR" sz="2800" dirty="0">
-                <a:latin typeface="Arial" panose="020B0604020202020204" pitchFamily="34" charset="0"/>
-                <a:cs typeface="Arial" panose="020B0604020202020204" pitchFamily="34" charset="0"/>
-              </a:rPr>
-              <a:t> preciso de ajuda na aula </a:t>
-            </a:r>
-            <a:r>
-              <a:rPr lang="pt-BR" sz="2800" b="1" dirty="0">
-                <a:latin typeface="Arial" panose="020B0604020202020204" pitchFamily="34" charset="0"/>
-                <a:cs typeface="Arial" panose="020B0604020202020204" pitchFamily="34" charset="0"/>
-              </a:rPr>
-              <a:t>para</a:t>
-            </a:r>
-            <a:r>
-              <a:rPr lang="pt-BR" sz="2800" dirty="0">
-                <a:latin typeface="Arial" panose="020B0604020202020204" pitchFamily="34" charset="0"/>
-                <a:cs typeface="Arial" panose="020B0604020202020204" pitchFamily="34" charset="0"/>
-              </a:rPr>
-              <a:t> que não tenha atraso com a matéria.</a:t>
-            </a:r>
+              <a:t>Eu, como Aluno, preciso de colaboração dos outros alunos para não ter complicações com a rede.</a:t>
+            </a:r>
+            <a:endParaRPr lang="pt-BR" sz="2800" dirty="0">
+              <a:latin typeface="Arial" panose="020B0604020202020204" pitchFamily="34" charset="0"/>
+              <a:cs typeface="Arial" panose="020B0604020202020204" pitchFamily="34" charset="0"/>
+            </a:endParaRPr>
           </a:p>
         </p:txBody>
       </p:sp>
@@ -5932,40 +5908,16 @@
           <a:p>
             <a:pPr algn="ctr"/>
             <a:r>
-              <a:rPr lang="pt-BR" sz="2800" dirty="0">
+              <a:rPr lang="pt-BR" sz="2800">
                 <a:latin typeface="Arial" panose="020B0604020202020204" pitchFamily="34" charset="0"/>
                 <a:cs typeface="Arial" panose="020B0604020202020204" pitchFamily="34" charset="0"/>
               </a:rPr>
-              <a:t>Eu, como </a:t>
-            </a:r>
-            <a:r>
-              <a:rPr lang="pt-BR" sz="2800" b="1" dirty="0">
-                <a:latin typeface="Arial" panose="020B0604020202020204" pitchFamily="34" charset="0"/>
-                <a:cs typeface="Arial" panose="020B0604020202020204" pitchFamily="34" charset="0"/>
-              </a:rPr>
-              <a:t>Aluno, </a:t>
-            </a:r>
-            <a:r>
-              <a:rPr lang="pt-BR" sz="2800" dirty="0">
-                <a:latin typeface="Arial" panose="020B0604020202020204" pitchFamily="34" charset="0"/>
-                <a:cs typeface="Arial" panose="020B0604020202020204" pitchFamily="34" charset="0"/>
-              </a:rPr>
-              <a:t>preciso de uma internet estável </a:t>
-            </a:r>
-            <a:r>
-              <a:rPr lang="pt-BR" sz="2800" b="1" dirty="0">
-                <a:latin typeface="Arial" panose="020B0604020202020204" pitchFamily="34" charset="0"/>
-                <a:cs typeface="Arial" panose="020B0604020202020204" pitchFamily="34" charset="0"/>
-              </a:rPr>
-              <a:t>para</a:t>
-            </a:r>
-            <a:r>
-              <a:rPr lang="pt-BR" sz="2800" dirty="0">
-                <a:latin typeface="Arial" panose="020B0604020202020204" pitchFamily="34" charset="0"/>
-                <a:cs typeface="Arial" panose="020B0604020202020204" pitchFamily="34" charset="0"/>
-              </a:rPr>
-              <a:t> não ter problemas na hora da aula.</a:t>
-            </a:r>
+              <a:t>Eu, como Aluno, preciso de uma internet estável para não ter problemas na hora da aula.</a:t>
+            </a:r>
+            <a:endParaRPr lang="pt-BR" sz="2800" dirty="0">
+              <a:latin typeface="Arial" panose="020B0604020202020204" pitchFamily="34" charset="0"/>
+              <a:cs typeface="Arial" panose="020B0604020202020204" pitchFamily="34" charset="0"/>
+            </a:endParaRPr>
           </a:p>
         </p:txBody>
       </p:sp>
@@ -6010,40 +5962,16 @@
           <a:p>
             <a:pPr algn="ctr"/>
             <a:r>
-              <a:rPr lang="pt-BR" sz="2800" dirty="0">
+              <a:rPr lang="pt-BR" sz="2800">
                 <a:latin typeface="Arial" panose="020B0604020202020204" pitchFamily="34" charset="0"/>
                 <a:cs typeface="Arial" panose="020B0604020202020204" pitchFamily="34" charset="0"/>
               </a:rPr>
-              <a:t>Eu, como </a:t>
-            </a:r>
-            <a:r>
-              <a:rPr lang="pt-BR" sz="2800" b="1" dirty="0">
-                <a:latin typeface="Arial" panose="020B0604020202020204" pitchFamily="34" charset="0"/>
-                <a:cs typeface="Arial" panose="020B0604020202020204" pitchFamily="34" charset="0"/>
-              </a:rPr>
-              <a:t>Aluno, </a:t>
-            </a:r>
-            <a:r>
-              <a:rPr lang="pt-BR" sz="2800" dirty="0">
-                <a:latin typeface="Arial" panose="020B0604020202020204" pitchFamily="34" charset="0"/>
-                <a:cs typeface="Arial" panose="020B0604020202020204" pitchFamily="34" charset="0"/>
-              </a:rPr>
-              <a:t>preciso de apoio dos professores </a:t>
-            </a:r>
-            <a:r>
-              <a:rPr lang="pt-BR" sz="2800" b="1" dirty="0">
-                <a:latin typeface="Arial" panose="020B0604020202020204" pitchFamily="34" charset="0"/>
-                <a:cs typeface="Arial" panose="020B0604020202020204" pitchFamily="34" charset="0"/>
-              </a:rPr>
-              <a:t>para </a:t>
-            </a:r>
-            <a:r>
-              <a:rPr lang="pt-BR" sz="2800" dirty="0">
-                <a:latin typeface="Arial" panose="020B0604020202020204" pitchFamily="34" charset="0"/>
-                <a:cs typeface="Arial" panose="020B0604020202020204" pitchFamily="34" charset="0"/>
-              </a:rPr>
-              <a:t>sanar as duvidas durante a aula. </a:t>
-            </a:r>
+              <a:t>Eu, como Aluno, preciso que quem esta usando a rede de maneira indevida seja advertido para que não retorne a fazer o mesmo.</a:t>
+            </a:r>
+            <a:endParaRPr lang="pt-BR" sz="2800" dirty="0">
+              <a:latin typeface="Arial" panose="020B0604020202020204" pitchFamily="34" charset="0"/>
+              <a:cs typeface="Arial" panose="020B0604020202020204" pitchFamily="34" charset="0"/>
+            </a:endParaRPr>
           </a:p>
         </p:txBody>
       </p:sp>
@@ -6092,35 +6020,7 @@
                 <a:latin typeface="Arial" panose="020B0604020202020204" pitchFamily="34" charset="0"/>
                 <a:cs typeface="Arial" panose="020B0604020202020204" pitchFamily="34" charset="0"/>
               </a:rPr>
-              <a:t>Eu, como </a:t>
-            </a:r>
-            <a:r>
-              <a:rPr lang="pt-BR" sz="2800" b="1" dirty="0">
-                <a:latin typeface="Arial" panose="020B0604020202020204" pitchFamily="34" charset="0"/>
-                <a:cs typeface="Arial" panose="020B0604020202020204" pitchFamily="34" charset="0"/>
-              </a:rPr>
-              <a:t>Aluno, </a:t>
-            </a:r>
-            <a:r>
-              <a:rPr lang="pt-BR" sz="2800" dirty="0">
-                <a:latin typeface="Arial" panose="020B0604020202020204" pitchFamily="34" charset="0"/>
-                <a:cs typeface="Arial" panose="020B0604020202020204" pitchFamily="34" charset="0"/>
-              </a:rPr>
-              <a:t>preciso de uma aplicação </a:t>
-            </a:r>
-            <a:r>
-              <a:rPr lang="pt-BR" sz="2800" b="1" dirty="0">
-                <a:latin typeface="Arial" panose="020B0604020202020204" pitchFamily="34" charset="0"/>
-                <a:cs typeface="Arial" panose="020B0604020202020204" pitchFamily="34" charset="0"/>
-              </a:rPr>
-              <a:t>para </a:t>
-            </a:r>
-            <a:r>
-              <a:rPr lang="pt-BR" sz="2800" dirty="0">
-                <a:latin typeface="Arial" panose="020B0604020202020204" pitchFamily="34" charset="0"/>
-                <a:cs typeface="Arial" panose="020B0604020202020204" pitchFamily="34" charset="0"/>
-              </a:rPr>
-              <a:t>que tenham um controle da internet para quem esta usando a internet de maneira indevida.</a:t>
+              <a:t>Eu, como Aluno, preciso de um aplicativo para abrir chamados.</a:t>
             </a:r>
           </a:p>
         </p:txBody>
@@ -6200,35 +6100,7 @@
                 <a:latin typeface="Arial" panose="020B0604020202020204" pitchFamily="34" charset="0"/>
                 <a:cs typeface="Arial" panose="020B0604020202020204" pitchFamily="34" charset="0"/>
               </a:rPr>
-              <a:t>Eu, como </a:t>
-            </a:r>
-            <a:r>
-              <a:rPr lang="pt-BR" sz="2800" b="1" dirty="0">
-                <a:latin typeface="Arial" panose="020B0604020202020204" pitchFamily="34" charset="0"/>
-                <a:cs typeface="Arial" panose="020B0604020202020204" pitchFamily="34" charset="0"/>
-              </a:rPr>
-              <a:t>Aluno,</a:t>
-            </a:r>
-            <a:r>
-              <a:rPr lang="pt-BR" sz="2800" dirty="0">
-                <a:latin typeface="Arial" panose="020B0604020202020204" pitchFamily="34" charset="0"/>
-                <a:cs typeface="Arial" panose="020B0604020202020204" pitchFamily="34" charset="0"/>
-              </a:rPr>
-              <a:t> preciso de um aplicativo</a:t>
-            </a:r>
-            <a:r>
-              <a:rPr lang="pt-BR" sz="2800" b="1" dirty="0">
-                <a:latin typeface="Arial" panose="020B0604020202020204" pitchFamily="34" charset="0"/>
-                <a:cs typeface="Arial" panose="020B0604020202020204" pitchFamily="34" charset="0"/>
-              </a:rPr>
-              <a:t> para </a:t>
-            </a:r>
-            <a:r>
-              <a:rPr lang="pt-BR" sz="2800" dirty="0">
-                <a:latin typeface="Arial" panose="020B0604020202020204" pitchFamily="34" charset="0"/>
-                <a:cs typeface="Arial" panose="020B0604020202020204" pitchFamily="34" charset="0"/>
-              </a:rPr>
-              <a:t>abrir chamados.</a:t>
+              <a:t>Eu, como Aluno, preciso que gerenciem os computadores para que tenham condição de uso para as aulas.</a:t>
             </a:r>
           </a:p>
         </p:txBody>
@@ -6278,21 +6150,7 @@
                 <a:latin typeface="Arial" panose="020B0604020202020204" pitchFamily="34" charset="0"/>
                 <a:cs typeface="Arial" panose="020B0604020202020204" pitchFamily="34" charset="0"/>
               </a:rPr>
-              <a:t>Eu, como </a:t>
-            </a:r>
-            <a:r>
-              <a:rPr lang="pt-BR" sz="2800" b="1" dirty="0">
-                <a:latin typeface="Arial" panose="020B0604020202020204" pitchFamily="34" charset="0"/>
-                <a:cs typeface="Arial" panose="020B0604020202020204" pitchFamily="34" charset="0"/>
-              </a:rPr>
-              <a:t>Aluno,</a:t>
-            </a:r>
-            <a:r>
-              <a:rPr lang="pt-BR" sz="2800" dirty="0">
-                <a:latin typeface="Arial" panose="020B0604020202020204" pitchFamily="34" charset="0"/>
-                <a:cs typeface="Arial" panose="020B0604020202020204" pitchFamily="34" charset="0"/>
-              </a:rPr>
-              <a:t> preciso de computadores que suportem os programas que são necessárias para aula.</a:t>
+              <a:t>Eu, como Aluno, preciso de computadores com baterias para não desligar caso o carregador seja desconectado.</a:t>
             </a:r>
           </a:p>
         </p:txBody>
@@ -6337,48 +6195,10 @@
           <a:lstStyle/>
           <a:p>
             <a:pPr algn="ctr"/>
-            <a:r>
-              <a:rPr lang="pt-BR" sz="2800" dirty="0">
-                <a:latin typeface="Arial" panose="020B0604020202020204" pitchFamily="34" charset="0"/>
-                <a:cs typeface="Arial" panose="020B0604020202020204" pitchFamily="34" charset="0"/>
-              </a:rPr>
-              <a:t>Eu, </a:t>
-            </a:r>
-            <a:r>
-              <a:rPr lang="pt-BR" sz="2800">
-                <a:latin typeface="Arial" panose="020B0604020202020204" pitchFamily="34" charset="0"/>
-                <a:cs typeface="Arial" panose="020B0604020202020204" pitchFamily="34" charset="0"/>
-              </a:rPr>
-              <a:t>como </a:t>
-            </a:r>
-            <a:r>
-              <a:rPr lang="pt-BR" sz="2800" b="1">
-                <a:latin typeface="Arial" panose="020B0604020202020204" pitchFamily="34" charset="0"/>
-                <a:cs typeface="Arial" panose="020B0604020202020204" pitchFamily="34" charset="0"/>
-              </a:rPr>
-              <a:t>Aluno, </a:t>
-            </a:r>
-            <a:r>
-              <a:rPr lang="pt-BR" sz="2800" dirty="0">
-                <a:latin typeface="Arial" panose="020B0604020202020204" pitchFamily="34" charset="0"/>
-                <a:cs typeface="Arial" panose="020B0604020202020204" pitchFamily="34" charset="0"/>
-              </a:rPr>
-              <a:t>preciso de computador com baterias </a:t>
-            </a:r>
-            <a:r>
-              <a:rPr lang="pt-BR" sz="2800" b="1" dirty="0">
-                <a:latin typeface="Arial" panose="020B0604020202020204" pitchFamily="34" charset="0"/>
-                <a:cs typeface="Arial" panose="020B0604020202020204" pitchFamily="34" charset="0"/>
-              </a:rPr>
-              <a:t>para </a:t>
-            </a:r>
-            <a:r>
-              <a:rPr lang="pt-BR" sz="2800" dirty="0">
-                <a:latin typeface="Arial" panose="020B0604020202020204" pitchFamily="34" charset="0"/>
-                <a:cs typeface="Arial" panose="020B0604020202020204" pitchFamily="34" charset="0"/>
-              </a:rPr>
-              <a:t>não desligar se o carregador for solto.</a:t>
-            </a:r>
+            <a:endParaRPr lang="pt-BR" sz="2800" dirty="0">
+              <a:latin typeface="Arial" panose="020B0604020202020204" pitchFamily="34" charset="0"/>
+              <a:cs typeface="Arial" panose="020B0604020202020204" pitchFamily="34" charset="0"/>
+            </a:endParaRPr>
           </a:p>
         </p:txBody>
       </p:sp>
